--- a/IROS17/pictures/pdf/twoRobotRegionV.pptx
+++ b/IROS17/pictures/pdf/twoRobotRegionV.pptx
@@ -288,7 +288,7 @@
           <a:p>
             <a:fld id="{F6D6B451-1FDA-7B46-B0DD-5E4B6F79F8BF}" type="datetimeFigureOut">
               <a:rPr lang="en-US" smtClean="0"/>
-              <a:t>2/24/17</a:t>
+              <a:t>2/27/17</a:t>
             </a:fld>
             <a:endParaRPr lang="en-US"/>
           </a:p>
@@ -458,7 +458,7 @@
           <a:p>
             <a:fld id="{F6D6B451-1FDA-7B46-B0DD-5E4B6F79F8BF}" type="datetimeFigureOut">
               <a:rPr lang="en-US" smtClean="0"/>
-              <a:t>2/24/17</a:t>
+              <a:t>2/27/17</a:t>
             </a:fld>
             <a:endParaRPr lang="en-US"/>
           </a:p>
@@ -638,7 +638,7 @@
           <a:p>
             <a:fld id="{F6D6B451-1FDA-7B46-B0DD-5E4B6F79F8BF}" type="datetimeFigureOut">
               <a:rPr lang="en-US" smtClean="0"/>
-              <a:t>2/24/17</a:t>
+              <a:t>2/27/17</a:t>
             </a:fld>
             <a:endParaRPr lang="en-US"/>
           </a:p>
@@ -808,7 +808,7 @@
           <a:p>
             <a:fld id="{F6D6B451-1FDA-7B46-B0DD-5E4B6F79F8BF}" type="datetimeFigureOut">
               <a:rPr lang="en-US" smtClean="0"/>
-              <a:t>2/24/17</a:t>
+              <a:t>2/27/17</a:t>
             </a:fld>
             <a:endParaRPr lang="en-US"/>
           </a:p>
@@ -1054,7 +1054,7 @@
           <a:p>
             <a:fld id="{F6D6B451-1FDA-7B46-B0DD-5E4B6F79F8BF}" type="datetimeFigureOut">
               <a:rPr lang="en-US" smtClean="0"/>
-              <a:t>2/24/17</a:t>
+              <a:t>2/27/17</a:t>
             </a:fld>
             <a:endParaRPr lang="en-US"/>
           </a:p>
@@ -1342,7 +1342,7 @@
           <a:p>
             <a:fld id="{F6D6B451-1FDA-7B46-B0DD-5E4B6F79F8BF}" type="datetimeFigureOut">
               <a:rPr lang="en-US" smtClean="0"/>
-              <a:t>2/24/17</a:t>
+              <a:t>2/27/17</a:t>
             </a:fld>
             <a:endParaRPr lang="en-US"/>
           </a:p>
@@ -1769,7 +1769,7 @@
           <a:p>
             <a:fld id="{F6D6B451-1FDA-7B46-B0DD-5E4B6F79F8BF}" type="datetimeFigureOut">
               <a:rPr lang="en-US" smtClean="0"/>
-              <a:t>2/24/17</a:t>
+              <a:t>2/27/17</a:t>
             </a:fld>
             <a:endParaRPr lang="en-US"/>
           </a:p>
@@ -1887,7 +1887,7 @@
           <a:p>
             <a:fld id="{F6D6B451-1FDA-7B46-B0DD-5E4B6F79F8BF}" type="datetimeFigureOut">
               <a:rPr lang="en-US" smtClean="0"/>
-              <a:t>2/24/17</a:t>
+              <a:t>2/27/17</a:t>
             </a:fld>
             <a:endParaRPr lang="en-US"/>
           </a:p>
@@ -1982,7 +1982,7 @@
           <a:p>
             <a:fld id="{F6D6B451-1FDA-7B46-B0DD-5E4B6F79F8BF}" type="datetimeFigureOut">
               <a:rPr lang="en-US" smtClean="0"/>
-              <a:t>2/24/17</a:t>
+              <a:t>2/27/17</a:t>
             </a:fld>
             <a:endParaRPr lang="en-US"/>
           </a:p>
@@ -2259,7 +2259,7 @@
           <a:p>
             <a:fld id="{F6D6B451-1FDA-7B46-B0DD-5E4B6F79F8BF}" type="datetimeFigureOut">
               <a:rPr lang="en-US" smtClean="0"/>
-              <a:t>2/24/17</a:t>
+              <a:t>2/27/17</a:t>
             </a:fld>
             <a:endParaRPr lang="en-US"/>
           </a:p>
@@ -2512,7 +2512,7 @@
           <a:p>
             <a:fld id="{F6D6B451-1FDA-7B46-B0DD-5E4B6F79F8BF}" type="datetimeFigureOut">
               <a:rPr lang="en-US" smtClean="0"/>
-              <a:t>2/24/17</a:t>
+              <a:t>2/27/17</a:t>
             </a:fld>
             <a:endParaRPr lang="en-US"/>
           </a:p>
@@ -2725,7 +2725,7 @@
           <a:p>
             <a:fld id="{F6D6B451-1FDA-7B46-B0DD-5E4B6F79F8BF}" type="datetimeFigureOut">
               <a:rPr lang="en-US" smtClean="0"/>
-              <a:t>2/24/17</a:t>
+              <a:t>2/27/17</a:t>
             </a:fld>
             <a:endParaRPr lang="en-US"/>
           </a:p>
@@ -3102,7 +3102,7 @@
       </p:grpSpPr>
       <p:pic>
         <p:nvPicPr>
-          <p:cNvPr id="5" name="Picture 4" descr="AchievableRange.png"/>
+          <p:cNvPr id="2" name="Picture 1" descr="Vertical.pdf"/>
           <p:cNvPicPr>
             <a:picLocks noChangeAspect="1"/>
           </p:cNvPicPr>
@@ -3121,9 +3121,9 @@
           </a:stretch>
         </p:blipFill>
         <p:spPr>
-          <a:xfrm rot="16200000">
-            <a:off x="0" y="0"/>
-            <a:ext cx="6858000" cy="6858000"/>
+          <a:xfrm>
+            <a:off x="0" y="17102"/>
+            <a:ext cx="6858000" cy="6840898"/>
           </a:xfrm>
           <a:prstGeom prst="rect">
             <a:avLst/>
@@ -3138,7 +3138,7 @@
         </p:nvCxnSpPr>
         <p:spPr>
           <a:xfrm rot="16200000">
-            <a:off x="843644" y="3438072"/>
+            <a:off x="1821081" y="3438072"/>
             <a:ext cx="6477000" cy="0"/>
           </a:xfrm>
           <a:prstGeom prst="line">
@@ -3174,8 +3174,8 @@
         </p:nvSpPr>
         <p:spPr>
           <a:xfrm rot="16200000">
-            <a:off x="2173220" y="2116276"/>
-            <a:ext cx="6477000" cy="2594427"/>
+            <a:off x="2645758" y="2588812"/>
+            <a:ext cx="6477000" cy="1649353"/>
           </a:xfrm>
           <a:prstGeom prst="rect">
             <a:avLst/>
@@ -3222,7 +3222,7 @@
         </p:nvCxnSpPr>
         <p:spPr>
           <a:xfrm rot="16200000" flipV="1">
-            <a:off x="4748371" y="2071234"/>
+            <a:off x="4757896" y="4795384"/>
             <a:ext cx="3752850" cy="9525"/>
           </a:xfrm>
           <a:prstGeom prst="line">
@@ -3319,8 +3319,8 @@
         </p:nvSpPr>
         <p:spPr>
           <a:xfrm rot="16200000">
-            <a:off x="2410728" y="3455085"/>
-            <a:ext cx="4651375" cy="646331"/>
+            <a:off x="4578509" y="4725085"/>
+            <a:ext cx="2482691" cy="1200329"/>
           </a:xfrm>
           <a:prstGeom prst="rect">
             <a:avLst/>
@@ -3348,9 +3348,9 @@
           <p:nvPr/>
         </p:nvCxnSpPr>
         <p:spPr>
-          <a:xfrm rot="16200000">
-            <a:off x="1598184" y="5370286"/>
-            <a:ext cx="2612572" cy="0"/>
+          <a:xfrm flipV="1">
+            <a:off x="2777470" y="199571"/>
+            <a:ext cx="0" cy="2612572"/>
           </a:xfrm>
           <a:prstGeom prst="straightConnector1">
             <a:avLst/>
@@ -3386,7 +3386,7 @@
         </p:nvSpPr>
         <p:spPr>
           <a:xfrm>
-            <a:off x="1968173" y="4985078"/>
+            <a:off x="1388735" y="667732"/>
             <a:ext cx="1158875" cy="523220"/>
           </a:xfrm>
           <a:prstGeom prst="rect">
@@ -3401,12 +3401,12 @@
           <a:lstStyle/>
           <a:p>
             <a:r>
-              <a:rPr lang="en-US" sz="2800" dirty="0"/>
-              <a:t>s</a:t>
-            </a:r>
-            <a:r>
               <a:rPr lang="en-US" sz="2800" dirty="0" smtClean="0"/>
-              <a:t>1.y</a:t>
+              <a:t>L- s1</a:t>
+            </a:r>
+            <a:r>
+              <a:rPr lang="en-US" sz="2800" dirty="0" smtClean="0"/>
+              <a:t>.y</a:t>
             </a:r>
             <a:endParaRPr lang="en-US" sz="2800" dirty="0"/>
           </a:p>
@@ -3419,9 +3419,9 @@
           <p:nvPr/>
         </p:nvCxnSpPr>
         <p:spPr>
-          <a:xfrm rot="16200000">
-            <a:off x="5270249" y="5333956"/>
-            <a:ext cx="2699568" cy="0"/>
+          <a:xfrm flipV="1">
+            <a:off x="6629558" y="174989"/>
+            <a:ext cx="0" cy="2699568"/>
           </a:xfrm>
           <a:prstGeom prst="straightConnector1">
             <a:avLst/>
@@ -3457,7 +3457,7 @@
         </p:nvSpPr>
         <p:spPr>
           <a:xfrm>
-            <a:off x="5683736" y="4873499"/>
+            <a:off x="5104298" y="929342"/>
             <a:ext cx="1158875" cy="523220"/>
           </a:xfrm>
           <a:prstGeom prst="rect">
@@ -3472,12 +3472,12 @@
           <a:lstStyle/>
           <a:p>
             <a:r>
-              <a:rPr lang="en-US" sz="2800" dirty="0"/>
-              <a:t>s</a:t>
-            </a:r>
-            <a:r>
               <a:rPr lang="en-US" sz="2800" dirty="0" smtClean="0"/>
-              <a:t>1.y</a:t>
+              <a:t>L- s1</a:t>
+            </a:r>
+            <a:r>
+              <a:rPr lang="en-US" sz="2800" dirty="0" smtClean="0"/>
+              <a:t>.y</a:t>
             </a:r>
             <a:endParaRPr lang="en-US" sz="2800" dirty="0"/>
           </a:p>

--- a/IROS17/pictures/pdf/twoRobotRegionV.pptx
+++ b/IROS17/pictures/pdf/twoRobotRegionV.pptx
@@ -3259,8 +3259,8 @@
         </p:nvSpPr>
         <p:spPr>
           <a:xfrm>
-            <a:off x="2261860" y="3135640"/>
-            <a:ext cx="762000" cy="523220"/>
+            <a:off x="2124680" y="2874557"/>
+            <a:ext cx="762000" cy="830997"/>
           </a:xfrm>
           <a:prstGeom prst="rect">
             <a:avLst/>
@@ -3274,23 +3274,36 @@
           <a:lstStyle/>
           <a:p>
             <a:r>
-              <a:rPr lang="en-US" sz="2800" dirty="0" smtClean="0"/>
-              <a:t>s1</a:t>
-            </a:r>
-            <a:endParaRPr lang="en-US" sz="2800" dirty="0"/>
-          </a:p>
-        </p:txBody>
-      </p:sp>
-      <p:sp>
-        <p:nvSpPr>
-          <p:cNvPr id="12" name="TextBox 11"/>
+              <a:rPr lang="en-US" sz="4800" b="1" i="1" dirty="0" smtClean="0">
+                <a:latin typeface="Times New Roman"/>
+                <a:cs typeface="Times New Roman"/>
+              </a:rPr>
+              <a:t>r</a:t>
+            </a:r>
+            <a:r>
+              <a:rPr lang="en-US" sz="4800" b="1" i="1" baseline="-25000" dirty="0" smtClean="0">
+                <a:latin typeface="Times New Roman"/>
+                <a:cs typeface="Times New Roman"/>
+              </a:rPr>
+              <a:t>1</a:t>
+            </a:r>
+            <a:endParaRPr lang="en-US" sz="4800" b="1" i="1" baseline="-25000" dirty="0">
+              <a:latin typeface="Times New Roman"/>
+              <a:cs typeface="Times New Roman"/>
+            </a:endParaRPr>
+          </a:p>
+        </p:txBody>
+      </p:sp>
+      <p:sp>
+        <p:nvSpPr>
+          <p:cNvPr id="13" name="TextBox 12"/>
           <p:cNvSpPr txBox="1"/>
           <p:nvPr/>
         </p:nvSpPr>
         <p:spPr>
-          <a:xfrm>
-            <a:off x="5112355" y="2373640"/>
-            <a:ext cx="762000" cy="523220"/>
+          <a:xfrm rot="16200000">
+            <a:off x="4389334" y="4351245"/>
+            <a:ext cx="2861042" cy="1569660"/>
           </a:xfrm>
           <a:prstGeom prst="rect">
             <a:avLst/>
@@ -3304,40 +3317,30 @@
           <a:lstStyle/>
           <a:p>
             <a:r>
-              <a:rPr lang="en-US" sz="2800" dirty="0" smtClean="0"/>
-              <a:t>s2</a:t>
-            </a:r>
-            <a:endParaRPr lang="en-US" sz="2800" dirty="0"/>
-          </a:p>
-        </p:txBody>
-      </p:sp>
-      <p:sp>
-        <p:nvSpPr>
-          <p:cNvPr id="13" name="TextBox 12"/>
-          <p:cNvSpPr txBox="1"/>
-          <p:nvPr/>
-        </p:nvSpPr>
-        <p:spPr>
-          <a:xfrm rot="16200000">
-            <a:off x="4578509" y="4725085"/>
-            <a:ext cx="2482691" cy="1200329"/>
-          </a:xfrm>
-          <a:prstGeom prst="rect">
-            <a:avLst/>
-          </a:prstGeom>
-          <a:noFill/>
-        </p:spPr>
-        <p:txBody>
-          <a:bodyPr wrap="square" rtlCol="0">
-            <a:spAutoFit/>
-          </a:bodyPr>
-          <a:lstStyle/>
-          <a:p>
-            <a:r>
-              <a:rPr lang="en-US" sz="3600" dirty="0" smtClean="0"/>
-              <a:t>Reachable set for s1</a:t>
-            </a:r>
-            <a:endParaRPr lang="en-US" sz="3600" dirty="0"/>
+              <a:rPr lang="en-US" sz="4800" dirty="0" smtClean="0">
+                <a:latin typeface="Times New Roman"/>
+                <a:cs typeface="Times New Roman"/>
+              </a:rPr>
+              <a:t>Reachable set for </a:t>
+            </a:r>
+            <a:r>
+              <a:rPr lang="en-US" sz="4800" i="1" dirty="0" smtClean="0">
+                <a:latin typeface="Times New Roman"/>
+                <a:cs typeface="Times New Roman"/>
+              </a:rPr>
+              <a:t>r</a:t>
+            </a:r>
+            <a:r>
+              <a:rPr lang="en-US" sz="4800" i="1" baseline="-25000" dirty="0" smtClean="0">
+                <a:latin typeface="Times New Roman"/>
+                <a:cs typeface="Times New Roman"/>
+              </a:rPr>
+              <a:t>1</a:t>
+            </a:r>
+            <a:endParaRPr lang="en-US" sz="4800" i="1" baseline="-25000" dirty="0">
+              <a:latin typeface="Times New Roman"/>
+              <a:cs typeface="Times New Roman"/>
+            </a:endParaRPr>
           </a:p>
         </p:txBody>
       </p:sp>
@@ -3386,8 +3389,8 @@
         </p:nvSpPr>
         <p:spPr>
           <a:xfrm>
-            <a:off x="1388735" y="667732"/>
-            <a:ext cx="1158875" cy="523220"/>
+            <a:off x="745470" y="667732"/>
+            <a:ext cx="2141210" cy="830997"/>
           </a:xfrm>
           <a:prstGeom prst="rect">
             <a:avLst/>
@@ -3401,14 +3404,30 @@
           <a:lstStyle/>
           <a:p>
             <a:r>
-              <a:rPr lang="en-US" sz="2800" dirty="0" smtClean="0"/>
-              <a:t>L- s1</a:t>
-            </a:r>
-            <a:r>
-              <a:rPr lang="en-US" sz="2800" dirty="0" smtClean="0"/>
+              <a:rPr lang="en-US" sz="4800" i="1" dirty="0" smtClean="0">
+                <a:latin typeface="Times New Roman"/>
+                <a:cs typeface="Times New Roman"/>
+              </a:rPr>
+              <a:t>L- r</a:t>
+            </a:r>
+            <a:r>
+              <a:rPr lang="en-US" sz="4800" i="1" baseline="-25000" dirty="0" smtClean="0">
+                <a:latin typeface="Times New Roman"/>
+                <a:cs typeface="Times New Roman"/>
+              </a:rPr>
+              <a:t>1</a:t>
+            </a:r>
+            <a:r>
+              <a:rPr lang="en-US" sz="4800" i="1" dirty="0" smtClean="0">
+                <a:latin typeface="Times New Roman"/>
+                <a:cs typeface="Times New Roman"/>
+              </a:rPr>
               <a:t>.y</a:t>
             </a:r>
-            <a:endParaRPr lang="en-US" sz="2800" dirty="0"/>
+            <a:endParaRPr lang="en-US" sz="4800" i="1" dirty="0">
+              <a:latin typeface="Times New Roman"/>
+              <a:cs typeface="Times New Roman"/>
+            </a:endParaRPr>
           </a:p>
         </p:txBody>
       </p:sp>
@@ -3457,8 +3476,8 @@
         </p:nvSpPr>
         <p:spPr>
           <a:xfrm>
-            <a:off x="5104298" y="929342"/>
-            <a:ext cx="1158875" cy="523220"/>
+            <a:off x="4876095" y="667732"/>
+            <a:ext cx="1753463" cy="830997"/>
           </a:xfrm>
           <a:prstGeom prst="rect">
             <a:avLst/>
@@ -3472,14 +3491,73 @@
           <a:lstStyle/>
           <a:p>
             <a:r>
-              <a:rPr lang="en-US" sz="2800" dirty="0" smtClean="0"/>
-              <a:t>L- s1</a:t>
-            </a:r>
-            <a:r>
-              <a:rPr lang="en-US" sz="2800" dirty="0" smtClean="0"/>
+              <a:rPr lang="en-US" sz="4800" i="1" dirty="0" smtClean="0">
+                <a:latin typeface="Times New Roman"/>
+                <a:cs typeface="Times New Roman"/>
+              </a:rPr>
+              <a:t>L-r</a:t>
+            </a:r>
+            <a:r>
+              <a:rPr lang="en-US" sz="4800" i="1" baseline="-25000" dirty="0" smtClean="0">
+                <a:latin typeface="Times New Roman"/>
+                <a:cs typeface="Times New Roman"/>
+              </a:rPr>
+              <a:t>1</a:t>
+            </a:r>
+            <a:r>
+              <a:rPr lang="en-US" sz="4800" i="1" dirty="0" smtClean="0">
+                <a:latin typeface="Times New Roman"/>
+                <a:cs typeface="Times New Roman"/>
+              </a:rPr>
               <a:t>.y</a:t>
             </a:r>
-            <a:endParaRPr lang="en-US" sz="2800" dirty="0"/>
+            <a:endParaRPr lang="en-US" sz="4800" i="1" dirty="0">
+              <a:latin typeface="Times New Roman"/>
+              <a:cs typeface="Times New Roman"/>
+            </a:endParaRPr>
+          </a:p>
+        </p:txBody>
+      </p:sp>
+      <p:sp>
+        <p:nvSpPr>
+          <p:cNvPr id="16" name="TextBox 15"/>
+          <p:cNvSpPr txBox="1"/>
+          <p:nvPr/>
+        </p:nvSpPr>
+        <p:spPr>
+          <a:xfrm>
+            <a:off x="3747710" y="3290055"/>
+            <a:ext cx="762000" cy="830997"/>
+          </a:xfrm>
+          <a:prstGeom prst="rect">
+            <a:avLst/>
+          </a:prstGeom>
+          <a:noFill/>
+        </p:spPr>
+        <p:txBody>
+          <a:bodyPr wrap="square" rtlCol="0">
+            <a:spAutoFit/>
+          </a:bodyPr>
+          <a:lstStyle/>
+          <a:p>
+            <a:r>
+              <a:rPr lang="en-US" sz="4800" b="1" i="1" dirty="0">
+                <a:latin typeface="Times New Roman"/>
+                <a:cs typeface="Times New Roman"/>
+              </a:rPr>
+              <a:t>r</a:t>
+            </a:r>
+            <a:r>
+              <a:rPr lang="en-US" sz="4800" b="1" i="1" baseline="-25000" dirty="0" smtClean="0">
+                <a:latin typeface="Times New Roman"/>
+                <a:cs typeface="Times New Roman"/>
+              </a:rPr>
+              <a:t>2</a:t>
+            </a:r>
+            <a:endParaRPr lang="en-US" sz="4800" b="1" i="1" baseline="-25000" dirty="0">
+              <a:latin typeface="Times New Roman"/>
+              <a:cs typeface="Times New Roman"/>
+            </a:endParaRPr>
           </a:p>
         </p:txBody>
       </p:sp>
